--- a/static/handouts/ssa200_supplemental-materials.pptx
+++ b/static/handouts/ssa200_supplemental-materials.pptx
@@ -213,7 +213,7 @@
           <a:p>
             <a:fld id="{BFAC87FD-35B9-C849-B94A-A03976F581A2}" type="datetimeFigureOut">
               <a:rPr lang="en-US" smtClean="0"/>
-              <a:t>10/18/2018</a:t>
+              <a:t>12/7/2018</a:t>
             </a:fld>
             <a:endParaRPr lang="en-US"/>
           </a:p>
@@ -611,7 +611,7 @@
           <a:p>
             <a:fld id="{CDB5708F-84DE-6F4A-9412-DD0B527C05D2}" type="datetimeFigureOut">
               <a:rPr lang="en-US" smtClean="0"/>
-              <a:t>10/18/2018</a:t>
+              <a:t>12/7/2018</a:t>
             </a:fld>
             <a:endParaRPr lang="en-US"/>
           </a:p>
@@ -776,7 +776,7 @@
           <a:p>
             <a:fld id="{CDB5708F-84DE-6F4A-9412-DD0B527C05D2}" type="datetimeFigureOut">
               <a:rPr lang="en-US" smtClean="0"/>
-              <a:t>10/18/2018</a:t>
+              <a:t>12/7/2018</a:t>
             </a:fld>
             <a:endParaRPr lang="en-US"/>
           </a:p>
@@ -951,7 +951,7 @@
           <a:p>
             <a:fld id="{CDB5708F-84DE-6F4A-9412-DD0B527C05D2}" type="datetimeFigureOut">
               <a:rPr lang="en-US" smtClean="0"/>
-              <a:t>10/18/2018</a:t>
+              <a:t>12/7/2018</a:t>
             </a:fld>
             <a:endParaRPr lang="en-US"/>
           </a:p>
@@ -1116,7 +1116,7 @@
           <a:p>
             <a:fld id="{CDB5708F-84DE-6F4A-9412-DD0B527C05D2}" type="datetimeFigureOut">
               <a:rPr lang="en-US" smtClean="0"/>
-              <a:t>10/18/2018</a:t>
+              <a:t>12/7/2018</a:t>
             </a:fld>
             <a:endParaRPr lang="en-US"/>
           </a:p>
@@ -1355,7 +1355,7 @@
           <a:p>
             <a:fld id="{CDB5708F-84DE-6F4A-9412-DD0B527C05D2}" type="datetimeFigureOut">
               <a:rPr lang="en-US" smtClean="0"/>
-              <a:t>10/18/2018</a:t>
+              <a:t>12/7/2018</a:t>
             </a:fld>
             <a:endParaRPr lang="en-US"/>
           </a:p>
@@ -1582,7 +1582,7 @@
           <a:p>
             <a:fld id="{CDB5708F-84DE-6F4A-9412-DD0B527C05D2}" type="datetimeFigureOut">
               <a:rPr lang="en-US" smtClean="0"/>
-              <a:t>10/18/2018</a:t>
+              <a:t>12/7/2018</a:t>
             </a:fld>
             <a:endParaRPr lang="en-US"/>
           </a:p>
@@ -1944,7 +1944,7 @@
           <a:p>
             <a:fld id="{CDB5708F-84DE-6F4A-9412-DD0B527C05D2}" type="datetimeFigureOut">
               <a:rPr lang="en-US" smtClean="0"/>
-              <a:t>10/18/2018</a:t>
+              <a:t>12/7/2018</a:t>
             </a:fld>
             <a:endParaRPr lang="en-US"/>
           </a:p>
@@ -2057,7 +2057,7 @@
           <a:p>
             <a:fld id="{CDB5708F-84DE-6F4A-9412-DD0B527C05D2}" type="datetimeFigureOut">
               <a:rPr lang="en-US" smtClean="0"/>
-              <a:t>10/18/2018</a:t>
+              <a:t>12/7/2018</a:t>
             </a:fld>
             <a:endParaRPr lang="en-US"/>
           </a:p>
@@ -2147,7 +2147,7 @@
           <a:p>
             <a:fld id="{CDB5708F-84DE-6F4A-9412-DD0B527C05D2}" type="datetimeFigureOut">
               <a:rPr lang="en-US" smtClean="0"/>
-              <a:t>10/18/2018</a:t>
+              <a:t>12/7/2018</a:t>
             </a:fld>
             <a:endParaRPr lang="en-US"/>
           </a:p>
@@ -2419,7 +2419,7 @@
           <a:p>
             <a:fld id="{CDB5708F-84DE-6F4A-9412-DD0B527C05D2}" type="datetimeFigureOut">
               <a:rPr lang="en-US" smtClean="0"/>
-              <a:t>10/18/2018</a:t>
+              <a:t>12/7/2018</a:t>
             </a:fld>
             <a:endParaRPr lang="en-US"/>
           </a:p>
@@ -2671,7 +2671,7 @@
           <a:p>
             <a:fld id="{CDB5708F-84DE-6F4A-9412-DD0B527C05D2}" type="datetimeFigureOut">
               <a:rPr lang="en-US" smtClean="0"/>
-              <a:t>10/18/2018</a:t>
+              <a:t>12/7/2018</a:t>
             </a:fld>
             <a:endParaRPr lang="en-US"/>
           </a:p>
@@ -2879,7 +2879,7 @@
           <a:p>
             <a:fld id="{CDB5708F-84DE-6F4A-9412-DD0B527C05D2}" type="datetimeFigureOut">
               <a:rPr lang="en-US" smtClean="0"/>
-              <a:t>10/18/2018</a:t>
+              <a:t>12/7/2018</a:t>
             </a:fld>
             <a:endParaRPr lang="en-US"/>
           </a:p>
@@ -3362,17 +3362,7 @@
           </a:lstStyle>
           <a:p>
             <a:pPr algn="r"/>
-            <a:r>
-              <a:rPr lang="en-US" sz="1400" b="1" dirty="0"/>
-              <a:t>Oct 23-24, 2018</a:t>
-            </a:r>
-          </a:p>
-          <a:p>
-            <a:pPr algn="r"/>
-            <a:r>
-              <a:rPr lang="en-US" sz="1400" b="1" dirty="0"/>
-              <a:t>Houston, TX</a:t>
-            </a:r>
+            <a:endParaRPr lang="en-US" sz="1400" b="1" dirty="0"/>
           </a:p>
         </p:txBody>
       </p:sp>
@@ -3475,7 +3465,7 @@
             </a:r>
             <a:r>
               <a:rPr lang="en-US" sz="1200" b="1" dirty="0"/>
-              <a:t>ssa200.github.io</a:t>
+              <a:t>ssa200.auburn.edu</a:t>
             </a:r>
           </a:p>
         </p:txBody>
@@ -12313,7 +12303,7 @@
                   <a:sysClr val="windowText" lastClr="000000"/>
                 </a:solidFill>
               </a:rPr>
-              <a:t>Poisson regression (counts)</a:t>
+              <a:t>Poisson regression</a:t>
             </a:r>
           </a:p>
         </p:txBody>

--- a/static/handouts/ssa200_supplemental-materials.pptx
+++ b/static/handouts/ssa200_supplemental-materials.pptx
@@ -213,7 +213,7 @@
           <a:p>
             <a:fld id="{BFAC87FD-35B9-C849-B94A-A03976F581A2}" type="datetimeFigureOut">
               <a:rPr lang="en-US" smtClean="0"/>
-              <a:t>12/7/2018</a:t>
+              <a:t>12/12/2018</a:t>
             </a:fld>
             <a:endParaRPr lang="en-US"/>
           </a:p>
@@ -611,7 +611,7 @@
           <a:p>
             <a:fld id="{CDB5708F-84DE-6F4A-9412-DD0B527C05D2}" type="datetimeFigureOut">
               <a:rPr lang="en-US" smtClean="0"/>
-              <a:t>12/7/2018</a:t>
+              <a:t>12/12/2018</a:t>
             </a:fld>
             <a:endParaRPr lang="en-US"/>
           </a:p>
@@ -776,7 +776,7 @@
           <a:p>
             <a:fld id="{CDB5708F-84DE-6F4A-9412-DD0B527C05D2}" type="datetimeFigureOut">
               <a:rPr lang="en-US" smtClean="0"/>
-              <a:t>12/7/2018</a:t>
+              <a:t>12/12/2018</a:t>
             </a:fld>
             <a:endParaRPr lang="en-US"/>
           </a:p>
@@ -951,7 +951,7 @@
           <a:p>
             <a:fld id="{CDB5708F-84DE-6F4A-9412-DD0B527C05D2}" type="datetimeFigureOut">
               <a:rPr lang="en-US" smtClean="0"/>
-              <a:t>12/7/2018</a:t>
+              <a:t>12/12/2018</a:t>
             </a:fld>
             <a:endParaRPr lang="en-US"/>
           </a:p>
@@ -1116,7 +1116,7 @@
           <a:p>
             <a:fld id="{CDB5708F-84DE-6F4A-9412-DD0B527C05D2}" type="datetimeFigureOut">
               <a:rPr lang="en-US" smtClean="0"/>
-              <a:t>12/7/2018</a:t>
+              <a:t>12/12/2018</a:t>
             </a:fld>
             <a:endParaRPr lang="en-US"/>
           </a:p>
@@ -1355,7 +1355,7 @@
           <a:p>
             <a:fld id="{CDB5708F-84DE-6F4A-9412-DD0B527C05D2}" type="datetimeFigureOut">
               <a:rPr lang="en-US" smtClean="0"/>
-              <a:t>12/7/2018</a:t>
+              <a:t>12/12/2018</a:t>
             </a:fld>
             <a:endParaRPr lang="en-US"/>
           </a:p>
@@ -1582,7 +1582,7 @@
           <a:p>
             <a:fld id="{CDB5708F-84DE-6F4A-9412-DD0B527C05D2}" type="datetimeFigureOut">
               <a:rPr lang="en-US" smtClean="0"/>
-              <a:t>12/7/2018</a:t>
+              <a:t>12/12/2018</a:t>
             </a:fld>
             <a:endParaRPr lang="en-US"/>
           </a:p>
@@ -1944,7 +1944,7 @@
           <a:p>
             <a:fld id="{CDB5708F-84DE-6F4A-9412-DD0B527C05D2}" type="datetimeFigureOut">
               <a:rPr lang="en-US" smtClean="0"/>
-              <a:t>12/7/2018</a:t>
+              <a:t>12/12/2018</a:t>
             </a:fld>
             <a:endParaRPr lang="en-US"/>
           </a:p>
@@ -2057,7 +2057,7 @@
           <a:p>
             <a:fld id="{CDB5708F-84DE-6F4A-9412-DD0B527C05D2}" type="datetimeFigureOut">
               <a:rPr lang="en-US" smtClean="0"/>
-              <a:t>12/7/2018</a:t>
+              <a:t>12/12/2018</a:t>
             </a:fld>
             <a:endParaRPr lang="en-US"/>
           </a:p>
@@ -2147,7 +2147,7 @@
           <a:p>
             <a:fld id="{CDB5708F-84DE-6F4A-9412-DD0B527C05D2}" type="datetimeFigureOut">
               <a:rPr lang="en-US" smtClean="0"/>
-              <a:t>12/7/2018</a:t>
+              <a:t>12/12/2018</a:t>
             </a:fld>
             <a:endParaRPr lang="en-US"/>
           </a:p>
@@ -2419,7 +2419,7 @@
           <a:p>
             <a:fld id="{CDB5708F-84DE-6F4A-9412-DD0B527C05D2}" type="datetimeFigureOut">
               <a:rPr lang="en-US" smtClean="0"/>
-              <a:t>12/7/2018</a:t>
+              <a:t>12/12/2018</a:t>
             </a:fld>
             <a:endParaRPr lang="en-US"/>
           </a:p>
@@ -2671,7 +2671,7 @@
           <a:p>
             <a:fld id="{CDB5708F-84DE-6F4A-9412-DD0B527C05D2}" type="datetimeFigureOut">
               <a:rPr lang="en-US" smtClean="0"/>
-              <a:t>12/7/2018</a:t>
+              <a:t>12/12/2018</a:t>
             </a:fld>
             <a:endParaRPr lang="en-US"/>
           </a:p>
@@ -2879,7 +2879,7 @@
           <a:p>
             <a:fld id="{CDB5708F-84DE-6F4A-9412-DD0B527C05D2}" type="datetimeFigureOut">
               <a:rPr lang="en-US" smtClean="0"/>
-              <a:t>12/7/2018</a:t>
+              <a:t>12/12/2018</a:t>
             </a:fld>
             <a:endParaRPr lang="en-US"/>
           </a:p>
@@ -11890,6 +11890,7 @@
         <p:nvCxnSpPr>
           <p:cNvPr id="94" name="Straight Arrow Connector 93"/>
           <p:cNvCxnSpPr>
+            <a:cxnSpLocks/>
             <a:stCxn id="111" idx="2"/>
             <a:endCxn id="54" idx="0"/>
           </p:cNvCxnSpPr>
@@ -12260,7 +12261,7 @@
         <p:spPr>
           <a:xfrm>
             <a:off x="4149661" y="6577090"/>
-            <a:ext cx="1092201" cy="695324"/>
+            <a:ext cx="1092201" cy="981360"/>
           </a:xfrm>
           <a:prstGeom prst="rect">
             <a:avLst/>
@@ -12303,8 +12304,29 @@
                   <a:sysClr val="windowText" lastClr="000000"/>
                 </a:solidFill>
               </a:rPr>
-              <a:t>Poisson regression</a:t>
-            </a:r>
+              <a:t>Poisson regression (counts) </a:t>
+            </a:r>
+            <a:r>
+              <a:rPr lang="en-US" sz="1200" b="1" dirty="0">
+                <a:solidFill>
+                  <a:sysClr val="windowText" lastClr="000000"/>
+                </a:solidFill>
+              </a:rPr>
+              <a:t>OR </a:t>
+            </a:r>
+            <a:r>
+              <a:rPr lang="en-US" sz="1200" dirty="0">
+                <a:solidFill>
+                  <a:sysClr val="windowText" lastClr="000000"/>
+                </a:solidFill>
+              </a:rPr>
+              <a:t>state-space model</a:t>
+            </a:r>
+            <a:endParaRPr lang="en-US" sz="1200" b="1" dirty="0">
+              <a:solidFill>
+                <a:sysClr val="windowText" lastClr="000000"/>
+              </a:solidFill>
+            </a:endParaRPr>
           </a:p>
         </p:txBody>
       </p:sp>

--- a/static/handouts/ssa200_supplemental-materials.pptx
+++ b/static/handouts/ssa200_supplemental-materials.pptx
@@ -213,7 +213,7 @@
           <a:p>
             <a:fld id="{BFAC87FD-35B9-C849-B94A-A03976F581A2}" type="datetimeFigureOut">
               <a:rPr lang="en-US" smtClean="0"/>
-              <a:t>12/12/2018</a:t>
+              <a:t>11/26/2019</a:t>
             </a:fld>
             <a:endParaRPr lang="en-US"/>
           </a:p>
@@ -611,7 +611,7 @@
           <a:p>
             <a:fld id="{CDB5708F-84DE-6F4A-9412-DD0B527C05D2}" type="datetimeFigureOut">
               <a:rPr lang="en-US" smtClean="0"/>
-              <a:t>12/12/2018</a:t>
+              <a:t>11/26/2019</a:t>
             </a:fld>
             <a:endParaRPr lang="en-US"/>
           </a:p>
@@ -776,7 +776,7 @@
           <a:p>
             <a:fld id="{CDB5708F-84DE-6F4A-9412-DD0B527C05D2}" type="datetimeFigureOut">
               <a:rPr lang="en-US" smtClean="0"/>
-              <a:t>12/12/2018</a:t>
+              <a:t>11/26/2019</a:t>
             </a:fld>
             <a:endParaRPr lang="en-US"/>
           </a:p>
@@ -951,7 +951,7 @@
           <a:p>
             <a:fld id="{CDB5708F-84DE-6F4A-9412-DD0B527C05D2}" type="datetimeFigureOut">
               <a:rPr lang="en-US" smtClean="0"/>
-              <a:t>12/12/2018</a:t>
+              <a:t>11/26/2019</a:t>
             </a:fld>
             <a:endParaRPr lang="en-US"/>
           </a:p>
@@ -1116,7 +1116,7 @@
           <a:p>
             <a:fld id="{CDB5708F-84DE-6F4A-9412-DD0B527C05D2}" type="datetimeFigureOut">
               <a:rPr lang="en-US" smtClean="0"/>
-              <a:t>12/12/2018</a:t>
+              <a:t>11/26/2019</a:t>
             </a:fld>
             <a:endParaRPr lang="en-US"/>
           </a:p>
@@ -1355,7 +1355,7 @@
           <a:p>
             <a:fld id="{CDB5708F-84DE-6F4A-9412-DD0B527C05D2}" type="datetimeFigureOut">
               <a:rPr lang="en-US" smtClean="0"/>
-              <a:t>12/12/2018</a:t>
+              <a:t>11/26/2019</a:t>
             </a:fld>
             <a:endParaRPr lang="en-US"/>
           </a:p>
@@ -1582,7 +1582,7 @@
           <a:p>
             <a:fld id="{CDB5708F-84DE-6F4A-9412-DD0B527C05D2}" type="datetimeFigureOut">
               <a:rPr lang="en-US" smtClean="0"/>
-              <a:t>12/12/2018</a:t>
+              <a:t>11/26/2019</a:t>
             </a:fld>
             <a:endParaRPr lang="en-US"/>
           </a:p>
@@ -1944,7 +1944,7 @@
           <a:p>
             <a:fld id="{CDB5708F-84DE-6F4A-9412-DD0B527C05D2}" type="datetimeFigureOut">
               <a:rPr lang="en-US" smtClean="0"/>
-              <a:t>12/12/2018</a:t>
+              <a:t>11/26/2019</a:t>
             </a:fld>
             <a:endParaRPr lang="en-US"/>
           </a:p>
@@ -2057,7 +2057,7 @@
           <a:p>
             <a:fld id="{CDB5708F-84DE-6F4A-9412-DD0B527C05D2}" type="datetimeFigureOut">
               <a:rPr lang="en-US" smtClean="0"/>
-              <a:t>12/12/2018</a:t>
+              <a:t>11/26/2019</a:t>
             </a:fld>
             <a:endParaRPr lang="en-US"/>
           </a:p>
@@ -2147,7 +2147,7 @@
           <a:p>
             <a:fld id="{CDB5708F-84DE-6F4A-9412-DD0B527C05D2}" type="datetimeFigureOut">
               <a:rPr lang="en-US" smtClean="0"/>
-              <a:t>12/12/2018</a:t>
+              <a:t>11/26/2019</a:t>
             </a:fld>
             <a:endParaRPr lang="en-US"/>
           </a:p>
@@ -2419,7 +2419,7 @@
           <a:p>
             <a:fld id="{CDB5708F-84DE-6F4A-9412-DD0B527C05D2}" type="datetimeFigureOut">
               <a:rPr lang="en-US" smtClean="0"/>
-              <a:t>12/12/2018</a:t>
+              <a:t>11/26/2019</a:t>
             </a:fld>
             <a:endParaRPr lang="en-US"/>
           </a:p>
@@ -2671,7 +2671,7 @@
           <a:p>
             <a:fld id="{CDB5708F-84DE-6F4A-9412-DD0B527C05D2}" type="datetimeFigureOut">
               <a:rPr lang="en-US" smtClean="0"/>
-              <a:t>12/12/2018</a:t>
+              <a:t>11/26/2019</a:t>
             </a:fld>
             <a:endParaRPr lang="en-US"/>
           </a:p>
@@ -2879,7 +2879,7 @@
           <a:p>
             <a:fld id="{CDB5708F-84DE-6F4A-9412-DD0B527C05D2}" type="datetimeFigureOut">
               <a:rPr lang="en-US" smtClean="0"/>
-              <a:t>12/12/2018</a:t>
+              <a:t>11/26/2019</a:t>
             </a:fld>
             <a:endParaRPr lang="en-US"/>
           </a:p>
@@ -3472,68 +3472,6 @@
       </p:sp>
       <p:sp>
         <p:nvSpPr>
-          <p:cNvPr id="9" name="TextBox 8">
-            <a:extLst>
-              <a:ext uri="{FF2B5EF4-FFF2-40B4-BE49-F238E27FC236}">
-                <a16:creationId xmlns:a16="http://schemas.microsoft.com/office/drawing/2014/main" id="{C1378126-7054-46AC-958F-B9168C8663EF}"/>
-              </a:ext>
-            </a:extLst>
-          </p:cNvPr>
-          <p:cNvSpPr txBox="1"/>
-          <p:nvPr/>
-        </p:nvSpPr>
-        <p:spPr>
-          <a:xfrm>
-            <a:off x="471488" y="7944920"/>
-            <a:ext cx="3460830" cy="830997"/>
-          </a:xfrm>
-          <a:prstGeom prst="rect">
-            <a:avLst/>
-          </a:prstGeom>
-          <a:noFill/>
-        </p:spPr>
-        <p:txBody>
-          <a:bodyPr wrap="square" rtlCol="0">
-            <a:spAutoFit/>
-          </a:bodyPr>
-          <a:lstStyle/>
-          <a:p>
-            <a:r>
-              <a:rPr lang="en-US" sz="1200" dirty="0" err="1"/>
-              <a:t>Conor</a:t>
-            </a:r>
-            <a:r>
-              <a:rPr lang="en-US" sz="1200" dirty="0"/>
-              <a:t> P. McGowan</a:t>
-            </a:r>
-          </a:p>
-          <a:p>
-            <a:r>
-              <a:rPr lang="en-US" sz="1200" dirty="0"/>
-              <a:t>Anna M. Tucker</a:t>
-            </a:r>
-          </a:p>
-          <a:p>
-            <a:r>
-              <a:rPr lang="en-US" sz="1200" dirty="0"/>
-              <a:t>Nicole F. </a:t>
-            </a:r>
-            <a:r>
-              <a:rPr lang="en-US" sz="1200" dirty="0" err="1"/>
-              <a:t>Angeli</a:t>
-            </a:r>
-            <a:endParaRPr lang="en-US" sz="1200" dirty="0"/>
-          </a:p>
-          <a:p>
-            <a:r>
-              <a:rPr lang="en-US" sz="1200" dirty="0"/>
-              <a:t>Kylee Dunham</a:t>
-            </a:r>
-          </a:p>
-        </p:txBody>
-      </p:sp>
-      <p:sp>
-        <p:nvSpPr>
           <p:cNvPr id="3" name="TextBox 2">
             <a:extLst>
               <a:ext uri="{FF2B5EF4-FFF2-40B4-BE49-F238E27FC236}">
@@ -3719,6 +3657,41 @@
           </a:p>
           <a:p>
             <a:endParaRPr lang="en-US" dirty="0"/>
+          </a:p>
+        </p:txBody>
+      </p:sp>
+      <p:sp>
+        <p:nvSpPr>
+          <p:cNvPr id="6" name="TextBox 5">
+            <a:extLst>
+              <a:ext uri="{FF2B5EF4-FFF2-40B4-BE49-F238E27FC236}">
+                <a16:creationId xmlns:a16="http://schemas.microsoft.com/office/drawing/2014/main" id="{5AA8B216-7FEE-4428-B67F-97F55AAB9AE8}"/>
+              </a:ext>
+            </a:extLst>
+          </p:cNvPr>
+          <p:cNvSpPr txBox="1"/>
+          <p:nvPr/>
+        </p:nvSpPr>
+        <p:spPr>
+          <a:xfrm>
+            <a:off x="594359" y="8483739"/>
+            <a:ext cx="2080260" cy="276999"/>
+          </a:xfrm>
+          <a:prstGeom prst="rect">
+            <a:avLst/>
+          </a:prstGeom>
+          <a:noFill/>
+        </p:spPr>
+        <p:txBody>
+          <a:bodyPr wrap="square" rtlCol="0">
+            <a:spAutoFit/>
+          </a:bodyPr>
+          <a:lstStyle/>
+          <a:p>
+            <a:r>
+              <a:rPr lang="en-US" sz="1200" i="1" dirty="0"/>
+              <a:t>Updated Dec 2019</a:t>
+            </a:r>
           </a:p>
         </p:txBody>
       </p:sp>
@@ -6588,7 +6561,7 @@
         <p:spPr>
           <a:xfrm>
             <a:off x="587818" y="1059671"/>
-            <a:ext cx="5545207" cy="1200329"/>
+            <a:ext cx="5545207" cy="1384995"/>
           </a:xfrm>
           <a:prstGeom prst="rect">
             <a:avLst/>
@@ -6684,7 +6657,7 @@
             </a:r>
             <a:r>
               <a:rPr lang="en-US" sz="1200" dirty="0"/>
-              <a:t> response variable (y) has some other distribution</a:t>
+              <a:t> response variable (y) has some other statistical distribution</a:t>
             </a:r>
           </a:p>
           <a:p>
